--- a/analysis/ASCA/ASCA_filtered_proteins/ManuscriptFigs_ASCA.pptx
+++ b/analysis/ASCA/ASCA_filtered_proteins/ManuscriptFigs_ASCA.pptx
@@ -9,6 +9,9 @@
     <p:sldId id="257" r:id="rId3"/>
     <p:sldId id="258" r:id="rId4"/>
     <p:sldId id="259" r:id="rId5"/>
+    <p:sldId id="262" r:id="rId6"/>
+    <p:sldId id="264" r:id="rId7"/>
+    <p:sldId id="263" r:id="rId8"/>
   </p:sldIdLst>
   <p:sldSz cx="12192000" cy="6858000"/>
   <p:notesSz cx="6858000" cy="9144000"/>
@@ -273,7 +276,7 @@
           <a:p>
             <a:fld id="{451C4251-6700-3049-8AB6-4A5F7F6F8B8E}" type="datetimeFigureOut">
               <a:rPr lang="en-US" smtClean="0"/>
-              <a:t>1/16/19</a:t>
+              <a:t>1/17/19</a:t>
             </a:fld>
             <a:endParaRPr lang="en-US"/>
           </a:p>
@@ -471,7 +474,7 @@
           <a:p>
             <a:fld id="{451C4251-6700-3049-8AB6-4A5F7F6F8B8E}" type="datetimeFigureOut">
               <a:rPr lang="en-US" smtClean="0"/>
-              <a:t>1/16/19</a:t>
+              <a:t>1/17/19</a:t>
             </a:fld>
             <a:endParaRPr lang="en-US"/>
           </a:p>
@@ -679,7 +682,7 @@
           <a:p>
             <a:fld id="{451C4251-6700-3049-8AB6-4A5F7F6F8B8E}" type="datetimeFigureOut">
               <a:rPr lang="en-US" smtClean="0"/>
-              <a:t>1/16/19</a:t>
+              <a:t>1/17/19</a:t>
             </a:fld>
             <a:endParaRPr lang="en-US"/>
           </a:p>
@@ -877,7 +880,7 @@
           <a:p>
             <a:fld id="{451C4251-6700-3049-8AB6-4A5F7F6F8B8E}" type="datetimeFigureOut">
               <a:rPr lang="en-US" smtClean="0"/>
-              <a:t>1/16/19</a:t>
+              <a:t>1/17/19</a:t>
             </a:fld>
             <a:endParaRPr lang="en-US"/>
           </a:p>
@@ -1152,7 +1155,7 @@
           <a:p>
             <a:fld id="{451C4251-6700-3049-8AB6-4A5F7F6F8B8E}" type="datetimeFigureOut">
               <a:rPr lang="en-US" smtClean="0"/>
-              <a:t>1/16/19</a:t>
+              <a:t>1/17/19</a:t>
             </a:fld>
             <a:endParaRPr lang="en-US"/>
           </a:p>
@@ -1417,7 +1420,7 @@
           <a:p>
             <a:fld id="{451C4251-6700-3049-8AB6-4A5F7F6F8B8E}" type="datetimeFigureOut">
               <a:rPr lang="en-US" smtClean="0"/>
-              <a:t>1/16/19</a:t>
+              <a:t>1/17/19</a:t>
             </a:fld>
             <a:endParaRPr lang="en-US"/>
           </a:p>
@@ -1829,7 +1832,7 @@
           <a:p>
             <a:fld id="{451C4251-6700-3049-8AB6-4A5F7F6F8B8E}" type="datetimeFigureOut">
               <a:rPr lang="en-US" smtClean="0"/>
-              <a:t>1/16/19</a:t>
+              <a:t>1/17/19</a:t>
             </a:fld>
             <a:endParaRPr lang="en-US"/>
           </a:p>
@@ -1970,7 +1973,7 @@
           <a:p>
             <a:fld id="{451C4251-6700-3049-8AB6-4A5F7F6F8B8E}" type="datetimeFigureOut">
               <a:rPr lang="en-US" smtClean="0"/>
-              <a:t>1/16/19</a:t>
+              <a:t>1/17/19</a:t>
             </a:fld>
             <a:endParaRPr lang="en-US"/>
           </a:p>
@@ -2083,7 +2086,7 @@
           <a:p>
             <a:fld id="{451C4251-6700-3049-8AB6-4A5F7F6F8B8E}" type="datetimeFigureOut">
               <a:rPr lang="en-US" smtClean="0"/>
-              <a:t>1/16/19</a:t>
+              <a:t>1/17/19</a:t>
             </a:fld>
             <a:endParaRPr lang="en-US"/>
           </a:p>
@@ -2394,7 +2397,7 @@
           <a:p>
             <a:fld id="{451C4251-6700-3049-8AB6-4A5F7F6F8B8E}" type="datetimeFigureOut">
               <a:rPr lang="en-US" smtClean="0"/>
-              <a:t>1/16/19</a:t>
+              <a:t>1/17/19</a:t>
             </a:fld>
             <a:endParaRPr lang="en-US"/>
           </a:p>
@@ -2682,7 +2685,7 @@
           <a:p>
             <a:fld id="{451C4251-6700-3049-8AB6-4A5F7F6F8B8E}" type="datetimeFigureOut">
               <a:rPr lang="en-US" smtClean="0"/>
-              <a:t>1/16/19</a:t>
+              <a:t>1/17/19</a:t>
             </a:fld>
             <a:endParaRPr lang="en-US"/>
           </a:p>
@@ -2923,7 +2926,7 @@
           <a:p>
             <a:fld id="{451C4251-6700-3049-8AB6-4A5F7F6F8B8E}" type="datetimeFigureOut">
               <a:rPr lang="en-US" smtClean="0"/>
-              <a:t>1/16/19</a:t>
+              <a:t>1/17/19</a:t>
             </a:fld>
             <a:endParaRPr lang="en-US"/>
           </a:p>
@@ -4621,6 +4624,2030 @@
 </p:sld>
 </file>
 
+<file path=ppt/slides/slide5.xml><?xml version="1.0" encoding="utf-8"?>
+<p:sld xmlns:a="http://schemas.openxmlformats.org/drawingml/2006/main" xmlns:r="http://schemas.openxmlformats.org/officeDocument/2006/relationships" xmlns:p="http://schemas.openxmlformats.org/presentationml/2006/main">
+  <p:cSld>
+    <p:spTree>
+      <p:nvGrpSpPr>
+        <p:cNvPr id="1" name=""/>
+        <p:cNvGrpSpPr/>
+        <p:nvPr/>
+      </p:nvGrpSpPr>
+      <p:grpSpPr>
+        <a:xfrm>
+          <a:off x="0" y="0"/>
+          <a:ext cx="0" cy="0"/>
+          <a:chOff x="0" y="0"/>
+          <a:chExt cx="0" cy="0"/>
+        </a:xfrm>
+      </p:grpSpPr>
+      <p:pic>
+        <p:nvPicPr>
+          <p:cNvPr id="5" name="Picture 4">
+            <a:extLst>
+              <a:ext uri="{FF2B5EF4-FFF2-40B4-BE49-F238E27FC236}">
+                <a16:creationId xmlns:a16="http://schemas.microsoft.com/office/drawing/2014/main" id="{1DDB5DBF-7E90-C34C-9793-63BE6657FD2E}"/>
+              </a:ext>
+            </a:extLst>
+          </p:cNvPr>
+          <p:cNvPicPr>
+            <a:picLocks noChangeAspect="1"/>
+          </p:cNvPicPr>
+          <p:nvPr/>
+        </p:nvPicPr>
+        <p:blipFill>
+          <a:blip r:embed="rId2"/>
+          <a:stretch>
+            <a:fillRect/>
+          </a:stretch>
+        </p:blipFill>
+        <p:spPr>
+          <a:xfrm>
+            <a:off x="2667000" y="0"/>
+            <a:ext cx="6858000" cy="6858000"/>
+          </a:xfrm>
+          <a:prstGeom prst="rect">
+            <a:avLst/>
+          </a:prstGeom>
+        </p:spPr>
+      </p:pic>
+      <p:sp>
+        <p:nvSpPr>
+          <p:cNvPr id="6" name="Rectangle 5">
+            <a:extLst>
+              <a:ext uri="{FF2B5EF4-FFF2-40B4-BE49-F238E27FC236}">
+                <a16:creationId xmlns:a16="http://schemas.microsoft.com/office/drawing/2014/main" id="{4D7B94B6-36F3-484A-8D16-6B98079A91B4}"/>
+              </a:ext>
+            </a:extLst>
+          </p:cNvPr>
+          <p:cNvSpPr/>
+          <p:nvPr/>
+        </p:nvSpPr>
+        <p:spPr>
+          <a:xfrm>
+            <a:off x="4409162" y="1352810"/>
+            <a:ext cx="2267210" cy="4972833"/>
+          </a:xfrm>
+          <a:prstGeom prst="rect">
+            <a:avLst/>
+          </a:prstGeom>
+          <a:noFill/>
+          <a:ln w="19050">
+            <a:solidFill>
+              <a:srgbClr val="09DFD6"/>
+            </a:solidFill>
+          </a:ln>
+        </p:spPr>
+        <p:style>
+          <a:lnRef idx="2">
+            <a:schemeClr val="accent1">
+              <a:shade val="50000"/>
+            </a:schemeClr>
+          </a:lnRef>
+          <a:fillRef idx="1">
+            <a:schemeClr val="accent1"/>
+          </a:fillRef>
+          <a:effectRef idx="0">
+            <a:schemeClr val="accent1"/>
+          </a:effectRef>
+          <a:fontRef idx="minor">
+            <a:schemeClr val="lt1"/>
+          </a:fontRef>
+        </p:style>
+        <p:txBody>
+          <a:bodyPr rtlCol="0" anchor="ctr"/>
+          <a:lstStyle/>
+          <a:p>
+            <a:pPr algn="ctr"/>
+            <a:endParaRPr lang="en-US"/>
+          </a:p>
+        </p:txBody>
+      </p:sp>
+      <p:sp>
+        <p:nvSpPr>
+          <p:cNvPr id="7" name="Rectangle 6">
+            <a:extLst>
+              <a:ext uri="{FF2B5EF4-FFF2-40B4-BE49-F238E27FC236}">
+                <a16:creationId xmlns:a16="http://schemas.microsoft.com/office/drawing/2014/main" id="{9B44635C-704F-0542-8377-0390A41C336F}"/>
+              </a:ext>
+            </a:extLst>
+          </p:cNvPr>
+          <p:cNvSpPr/>
+          <p:nvPr/>
+        </p:nvSpPr>
+        <p:spPr>
+          <a:xfrm>
+            <a:off x="6701424" y="1352809"/>
+            <a:ext cx="2266887" cy="4972833"/>
+          </a:xfrm>
+          <a:prstGeom prst="rect">
+            <a:avLst/>
+          </a:prstGeom>
+          <a:noFill/>
+          <a:ln w="19050">
+            <a:solidFill>
+              <a:srgbClr val="F561FF"/>
+            </a:solidFill>
+          </a:ln>
+        </p:spPr>
+        <p:style>
+          <a:lnRef idx="2">
+            <a:schemeClr val="accent1">
+              <a:shade val="50000"/>
+            </a:schemeClr>
+          </a:lnRef>
+          <a:fillRef idx="1">
+            <a:schemeClr val="accent1"/>
+          </a:fillRef>
+          <a:effectRef idx="0">
+            <a:schemeClr val="accent1"/>
+          </a:effectRef>
+          <a:fontRef idx="minor">
+            <a:schemeClr val="lt1"/>
+          </a:fontRef>
+        </p:style>
+        <p:txBody>
+          <a:bodyPr rtlCol="0" anchor="ctr"/>
+          <a:lstStyle/>
+          <a:p>
+            <a:pPr algn="ctr"/>
+            <a:endParaRPr lang="en-US"/>
+          </a:p>
+        </p:txBody>
+      </p:sp>
+      <p:sp>
+        <p:nvSpPr>
+          <p:cNvPr id="8" name="TextBox 7">
+            <a:extLst>
+              <a:ext uri="{FF2B5EF4-FFF2-40B4-BE49-F238E27FC236}">
+                <a16:creationId xmlns:a16="http://schemas.microsoft.com/office/drawing/2014/main" id="{6A7352E8-F9E4-0E46-B361-7AD84999A203}"/>
+              </a:ext>
+            </a:extLst>
+          </p:cNvPr>
+          <p:cNvSpPr txBox="1"/>
+          <p:nvPr/>
+        </p:nvSpPr>
+        <p:spPr>
+          <a:xfrm>
+            <a:off x="5209460" y="996003"/>
+            <a:ext cx="692818" cy="369332"/>
+          </a:xfrm>
+          <a:prstGeom prst="rect">
+            <a:avLst/>
+          </a:prstGeom>
+          <a:noFill/>
+        </p:spPr>
+        <p:txBody>
+          <a:bodyPr wrap="none" rtlCol="0">
+            <a:spAutoFit/>
+          </a:bodyPr>
+          <a:lstStyle/>
+          <a:p>
+            <a:r>
+              <a:rPr lang="en-US" dirty="0">
+                <a:solidFill>
+                  <a:srgbClr val="09DFD6"/>
+                </a:solidFill>
+                <a:latin typeface="Arial" panose="020B0604020202020204" pitchFamily="34" charset="0"/>
+                <a:cs typeface="Arial" panose="020B0604020202020204" pitchFamily="34" charset="0"/>
+              </a:rPr>
+              <a:t>23ºC</a:t>
+            </a:r>
+          </a:p>
+        </p:txBody>
+      </p:sp>
+      <p:sp>
+        <p:nvSpPr>
+          <p:cNvPr id="9" name="TextBox 8">
+            <a:extLst>
+              <a:ext uri="{FF2B5EF4-FFF2-40B4-BE49-F238E27FC236}">
+                <a16:creationId xmlns:a16="http://schemas.microsoft.com/office/drawing/2014/main" id="{AFB72AEB-2B76-0F49-821F-13A53A6966FD}"/>
+              </a:ext>
+            </a:extLst>
+          </p:cNvPr>
+          <p:cNvSpPr txBox="1"/>
+          <p:nvPr/>
+        </p:nvSpPr>
+        <p:spPr>
+          <a:xfrm>
+            <a:off x="7226150" y="996003"/>
+            <a:ext cx="692818" cy="369332"/>
+          </a:xfrm>
+          <a:prstGeom prst="rect">
+            <a:avLst/>
+          </a:prstGeom>
+          <a:noFill/>
+        </p:spPr>
+        <p:txBody>
+          <a:bodyPr wrap="none" rtlCol="0">
+            <a:spAutoFit/>
+          </a:bodyPr>
+          <a:lstStyle/>
+          <a:p>
+            <a:r>
+              <a:rPr lang="en-US" dirty="0">
+                <a:solidFill>
+                  <a:srgbClr val="F561FF"/>
+                </a:solidFill>
+                <a:latin typeface="Arial" panose="020B0604020202020204" pitchFamily="34" charset="0"/>
+                <a:cs typeface="Arial" panose="020B0604020202020204" pitchFamily="34" charset="0"/>
+              </a:rPr>
+              <a:t>29ºC</a:t>
+            </a:r>
+          </a:p>
+        </p:txBody>
+      </p:sp>
+      <p:sp>
+        <p:nvSpPr>
+          <p:cNvPr id="10" name="TextBox 9">
+            <a:extLst>
+              <a:ext uri="{FF2B5EF4-FFF2-40B4-BE49-F238E27FC236}">
+                <a16:creationId xmlns:a16="http://schemas.microsoft.com/office/drawing/2014/main" id="{F1851B4A-24A1-444E-A3BB-A1DD3D83E010}"/>
+              </a:ext>
+            </a:extLst>
+          </p:cNvPr>
+          <p:cNvSpPr txBox="1"/>
+          <p:nvPr/>
+        </p:nvSpPr>
+        <p:spPr>
+          <a:xfrm>
+            <a:off x="2860977" y="1002244"/>
+            <a:ext cx="1377300" cy="246221"/>
+          </a:xfrm>
+          <a:prstGeom prst="rect">
+            <a:avLst/>
+          </a:prstGeom>
+          <a:noFill/>
+        </p:spPr>
+        <p:txBody>
+          <a:bodyPr wrap="none" rtlCol="0">
+            <a:spAutoFit/>
+          </a:bodyPr>
+          <a:lstStyle/>
+          <a:p>
+            <a:r>
+              <a:rPr lang="en-US" sz="1000" dirty="0">
+                <a:latin typeface="Arial" panose="020B0604020202020204" pitchFamily="34" charset="0"/>
+                <a:cs typeface="Arial" panose="020B0604020202020204" pitchFamily="34" charset="0"/>
+              </a:rPr>
+              <a:t>relative NSAF values</a:t>
+            </a:r>
+          </a:p>
+        </p:txBody>
+      </p:sp>
+      <p:sp>
+        <p:nvSpPr>
+          <p:cNvPr id="11" name="TextBox 10">
+            <a:extLst>
+              <a:ext uri="{FF2B5EF4-FFF2-40B4-BE49-F238E27FC236}">
+                <a16:creationId xmlns:a16="http://schemas.microsoft.com/office/drawing/2014/main" id="{F060A5A1-7D61-524F-873A-76BA7480BF63}"/>
+              </a:ext>
+            </a:extLst>
+          </p:cNvPr>
+          <p:cNvSpPr txBox="1"/>
+          <p:nvPr/>
+        </p:nvSpPr>
+        <p:spPr>
+          <a:xfrm>
+            <a:off x="8926838" y="1143795"/>
+            <a:ext cx="574196" cy="246221"/>
+          </a:xfrm>
+          <a:prstGeom prst="rect">
+            <a:avLst/>
+          </a:prstGeom>
+          <a:noFill/>
+        </p:spPr>
+        <p:txBody>
+          <a:bodyPr wrap="none" rtlCol="0">
+            <a:spAutoFit/>
+          </a:bodyPr>
+          <a:lstStyle/>
+          <a:p>
+            <a:r>
+              <a:rPr lang="en-US" sz="1000" dirty="0">
+                <a:latin typeface="Arial" panose="020B0604020202020204" pitchFamily="34" charset="0"/>
+                <a:cs typeface="Arial" panose="020B0604020202020204" pitchFamily="34" charset="0"/>
+              </a:rPr>
+              <a:t>protein</a:t>
+            </a:r>
+          </a:p>
+        </p:txBody>
+      </p:sp>
+      <p:sp>
+        <p:nvSpPr>
+          <p:cNvPr id="12" name="TextBox 11">
+            <a:extLst>
+              <a:ext uri="{FF2B5EF4-FFF2-40B4-BE49-F238E27FC236}">
+                <a16:creationId xmlns:a16="http://schemas.microsoft.com/office/drawing/2014/main" id="{56EA76A6-C8DF-AB45-B7DE-A8A7E8CEDD14}"/>
+              </a:ext>
+            </a:extLst>
+          </p:cNvPr>
+          <p:cNvSpPr txBox="1"/>
+          <p:nvPr/>
+        </p:nvSpPr>
+        <p:spPr>
+          <a:xfrm>
+            <a:off x="4885150" y="491738"/>
+            <a:ext cx="3788217" cy="369332"/>
+          </a:xfrm>
+          <a:prstGeom prst="rect">
+            <a:avLst/>
+          </a:prstGeom>
+          <a:noFill/>
+        </p:spPr>
+        <p:txBody>
+          <a:bodyPr wrap="none" rtlCol="0">
+            <a:spAutoFit/>
+          </a:bodyPr>
+          <a:lstStyle/>
+          <a:p>
+            <a:r>
+              <a:rPr lang="en-US" b="1" dirty="0">
+                <a:latin typeface="Arial" panose="020B0604020202020204" pitchFamily="34" charset="0"/>
+                <a:cs typeface="Arial" panose="020B0604020202020204" pitchFamily="34" charset="0"/>
+              </a:rPr>
+              <a:t>Proteins affected by temperature</a:t>
+            </a:r>
+          </a:p>
+        </p:txBody>
+      </p:sp>
+    </p:spTree>
+    <p:extLst>
+      <p:ext uri="{BB962C8B-B14F-4D97-AF65-F5344CB8AC3E}">
+        <p14:creationId xmlns:p14="http://schemas.microsoft.com/office/powerpoint/2010/main" val="139565446"/>
+      </p:ext>
+    </p:extLst>
+  </p:cSld>
+  <p:clrMapOvr>
+    <a:masterClrMapping/>
+  </p:clrMapOvr>
+</p:sld>
+</file>
+
+<file path=ppt/slides/slide6.xml><?xml version="1.0" encoding="utf-8"?>
+<p:sld xmlns:a="http://schemas.openxmlformats.org/drawingml/2006/main" xmlns:r="http://schemas.openxmlformats.org/officeDocument/2006/relationships" xmlns:p="http://schemas.openxmlformats.org/presentationml/2006/main">
+  <p:cSld>
+    <p:spTree>
+      <p:nvGrpSpPr>
+        <p:cNvPr id="1" name=""/>
+        <p:cNvGrpSpPr/>
+        <p:nvPr/>
+      </p:nvGrpSpPr>
+      <p:grpSpPr>
+        <a:xfrm>
+          <a:off x="0" y="0"/>
+          <a:ext cx="0" cy="0"/>
+          <a:chOff x="0" y="0"/>
+          <a:chExt cx="0" cy="0"/>
+        </a:xfrm>
+      </p:grpSpPr>
+      <p:pic>
+        <p:nvPicPr>
+          <p:cNvPr id="3" name="Picture 2">
+            <a:extLst>
+              <a:ext uri="{FF2B5EF4-FFF2-40B4-BE49-F238E27FC236}">
+                <a16:creationId xmlns:a16="http://schemas.microsoft.com/office/drawing/2014/main" id="{B4D28E6D-CA2D-E448-BF33-7B4AA103F099}"/>
+              </a:ext>
+            </a:extLst>
+          </p:cNvPr>
+          <p:cNvPicPr>
+            <a:picLocks noChangeAspect="1"/>
+          </p:cNvPicPr>
+          <p:nvPr/>
+        </p:nvPicPr>
+        <p:blipFill>
+          <a:blip r:embed="rId2"/>
+          <a:stretch>
+            <a:fillRect/>
+          </a:stretch>
+        </p:blipFill>
+        <p:spPr>
+          <a:xfrm>
+            <a:off x="2667000" y="0"/>
+            <a:ext cx="6858000" cy="6858000"/>
+          </a:xfrm>
+          <a:prstGeom prst="rect">
+            <a:avLst/>
+          </a:prstGeom>
+        </p:spPr>
+      </p:pic>
+      <p:sp>
+        <p:nvSpPr>
+          <p:cNvPr id="6" name="Rectangle 5">
+            <a:extLst>
+              <a:ext uri="{FF2B5EF4-FFF2-40B4-BE49-F238E27FC236}">
+                <a16:creationId xmlns:a16="http://schemas.microsoft.com/office/drawing/2014/main" id="{4D7B94B6-36F3-484A-8D16-6B98079A91B4}"/>
+              </a:ext>
+            </a:extLst>
+          </p:cNvPr>
+          <p:cNvSpPr/>
+          <p:nvPr/>
+        </p:nvSpPr>
+        <p:spPr>
+          <a:xfrm>
+            <a:off x="4415963" y="1352810"/>
+            <a:ext cx="759139" cy="4972833"/>
+          </a:xfrm>
+          <a:prstGeom prst="rect">
+            <a:avLst/>
+          </a:prstGeom>
+          <a:noFill/>
+          <a:ln w="19050">
+            <a:solidFill>
+              <a:schemeClr val="bg1">
+                <a:lumMod val="85000"/>
+              </a:schemeClr>
+            </a:solidFill>
+          </a:ln>
+        </p:spPr>
+        <p:style>
+          <a:lnRef idx="2">
+            <a:schemeClr val="accent1">
+              <a:shade val="50000"/>
+            </a:schemeClr>
+          </a:lnRef>
+          <a:fillRef idx="1">
+            <a:schemeClr val="accent1"/>
+          </a:fillRef>
+          <a:effectRef idx="0">
+            <a:schemeClr val="accent1"/>
+          </a:effectRef>
+          <a:fontRef idx="minor">
+            <a:schemeClr val="lt1"/>
+          </a:fontRef>
+        </p:style>
+        <p:txBody>
+          <a:bodyPr rtlCol="0" anchor="ctr"/>
+          <a:lstStyle/>
+          <a:p>
+            <a:pPr algn="ctr"/>
+            <a:endParaRPr lang="en-US">
+              <a:solidFill>
+                <a:schemeClr val="accent2"/>
+              </a:solidFill>
+            </a:endParaRPr>
+          </a:p>
+        </p:txBody>
+      </p:sp>
+      <p:sp>
+        <p:nvSpPr>
+          <p:cNvPr id="8" name="TextBox 7">
+            <a:extLst>
+              <a:ext uri="{FF2B5EF4-FFF2-40B4-BE49-F238E27FC236}">
+                <a16:creationId xmlns:a16="http://schemas.microsoft.com/office/drawing/2014/main" id="{6A7352E8-F9E4-0E46-B361-7AD84999A203}"/>
+              </a:ext>
+            </a:extLst>
+          </p:cNvPr>
+          <p:cNvSpPr txBox="1"/>
+          <p:nvPr/>
+        </p:nvSpPr>
+        <p:spPr>
+          <a:xfrm>
+            <a:off x="5408378" y="1080794"/>
+            <a:ext cx="284052" cy="307777"/>
+          </a:xfrm>
+          <a:prstGeom prst="rect">
+            <a:avLst/>
+          </a:prstGeom>
+          <a:noFill/>
+        </p:spPr>
+        <p:txBody>
+          <a:bodyPr wrap="none" rtlCol="0">
+            <a:spAutoFit/>
+          </a:bodyPr>
+          <a:lstStyle/>
+          <a:p>
+            <a:r>
+              <a:rPr lang="en-US" sz="1400" dirty="0">
+                <a:solidFill>
+                  <a:schemeClr val="bg1">
+                    <a:lumMod val="65000"/>
+                  </a:schemeClr>
+                </a:solidFill>
+                <a:latin typeface="Arial" panose="020B0604020202020204" pitchFamily="34" charset="0"/>
+                <a:cs typeface="Arial" panose="020B0604020202020204" pitchFamily="34" charset="0"/>
+              </a:rPr>
+              <a:t>5</a:t>
+            </a:r>
+          </a:p>
+        </p:txBody>
+      </p:sp>
+      <p:sp>
+        <p:nvSpPr>
+          <p:cNvPr id="9" name="TextBox 8">
+            <a:extLst>
+              <a:ext uri="{FF2B5EF4-FFF2-40B4-BE49-F238E27FC236}">
+                <a16:creationId xmlns:a16="http://schemas.microsoft.com/office/drawing/2014/main" id="{AFB72AEB-2B76-0F49-821F-13A53A6966FD}"/>
+              </a:ext>
+            </a:extLst>
+          </p:cNvPr>
+          <p:cNvSpPr txBox="1"/>
+          <p:nvPr/>
+        </p:nvSpPr>
+        <p:spPr>
+          <a:xfrm>
+            <a:off x="6134485" y="1080794"/>
+            <a:ext cx="284052" cy="307777"/>
+          </a:xfrm>
+          <a:prstGeom prst="rect">
+            <a:avLst/>
+          </a:prstGeom>
+          <a:noFill/>
+        </p:spPr>
+        <p:txBody>
+          <a:bodyPr wrap="none" rtlCol="0">
+            <a:spAutoFit/>
+          </a:bodyPr>
+          <a:lstStyle/>
+          <a:p>
+            <a:r>
+              <a:rPr lang="en-US" sz="1400" dirty="0">
+                <a:solidFill>
+                  <a:schemeClr val="bg1">
+                    <a:lumMod val="50000"/>
+                  </a:schemeClr>
+                </a:solidFill>
+                <a:latin typeface="Arial" panose="020B0604020202020204" pitchFamily="34" charset="0"/>
+                <a:cs typeface="Arial" panose="020B0604020202020204" pitchFamily="34" charset="0"/>
+              </a:rPr>
+              <a:t>7</a:t>
+            </a:r>
+          </a:p>
+        </p:txBody>
+      </p:sp>
+      <p:sp>
+        <p:nvSpPr>
+          <p:cNvPr id="10" name="TextBox 9">
+            <a:extLst>
+              <a:ext uri="{FF2B5EF4-FFF2-40B4-BE49-F238E27FC236}">
+                <a16:creationId xmlns:a16="http://schemas.microsoft.com/office/drawing/2014/main" id="{F1851B4A-24A1-444E-A3BB-A1DD3D83E010}"/>
+              </a:ext>
+            </a:extLst>
+          </p:cNvPr>
+          <p:cNvSpPr txBox="1"/>
+          <p:nvPr/>
+        </p:nvSpPr>
+        <p:spPr>
+          <a:xfrm>
+            <a:off x="2769400" y="993457"/>
+            <a:ext cx="1377300" cy="246221"/>
+          </a:xfrm>
+          <a:prstGeom prst="rect">
+            <a:avLst/>
+          </a:prstGeom>
+          <a:noFill/>
+        </p:spPr>
+        <p:txBody>
+          <a:bodyPr wrap="none" rtlCol="0">
+            <a:spAutoFit/>
+          </a:bodyPr>
+          <a:lstStyle/>
+          <a:p>
+            <a:r>
+              <a:rPr lang="en-US" sz="1000" dirty="0">
+                <a:latin typeface="Arial" panose="020B0604020202020204" pitchFamily="34" charset="0"/>
+                <a:cs typeface="Arial" panose="020B0604020202020204" pitchFamily="34" charset="0"/>
+              </a:rPr>
+              <a:t>relative NSAF values</a:t>
+            </a:r>
+          </a:p>
+        </p:txBody>
+      </p:sp>
+      <p:sp>
+        <p:nvSpPr>
+          <p:cNvPr id="11" name="TextBox 10">
+            <a:extLst>
+              <a:ext uri="{FF2B5EF4-FFF2-40B4-BE49-F238E27FC236}">
+                <a16:creationId xmlns:a16="http://schemas.microsoft.com/office/drawing/2014/main" id="{F060A5A1-7D61-524F-873A-76BA7480BF63}"/>
+              </a:ext>
+            </a:extLst>
+          </p:cNvPr>
+          <p:cNvSpPr txBox="1"/>
+          <p:nvPr/>
+        </p:nvSpPr>
+        <p:spPr>
+          <a:xfrm>
+            <a:off x="9024542" y="1192693"/>
+            <a:ext cx="500458" cy="215444"/>
+          </a:xfrm>
+          <a:prstGeom prst="rect">
+            <a:avLst/>
+          </a:prstGeom>
+          <a:noFill/>
+        </p:spPr>
+        <p:txBody>
+          <a:bodyPr wrap="none" rtlCol="0">
+            <a:spAutoFit/>
+          </a:bodyPr>
+          <a:lstStyle/>
+          <a:p>
+            <a:r>
+              <a:rPr lang="en-US" sz="800" dirty="0">
+                <a:latin typeface="Arial" panose="020B0604020202020204" pitchFamily="34" charset="0"/>
+                <a:cs typeface="Arial" panose="020B0604020202020204" pitchFamily="34" charset="0"/>
+              </a:rPr>
+              <a:t>protein</a:t>
+            </a:r>
+          </a:p>
+        </p:txBody>
+      </p:sp>
+      <p:sp>
+        <p:nvSpPr>
+          <p:cNvPr id="12" name="TextBox 11">
+            <a:extLst>
+              <a:ext uri="{FF2B5EF4-FFF2-40B4-BE49-F238E27FC236}">
+                <a16:creationId xmlns:a16="http://schemas.microsoft.com/office/drawing/2014/main" id="{56EA76A6-C8DF-AB45-B7DE-A8A7E8CEDD14}"/>
+              </a:ext>
+            </a:extLst>
+          </p:cNvPr>
+          <p:cNvSpPr txBox="1"/>
+          <p:nvPr/>
+        </p:nvSpPr>
+        <p:spPr>
+          <a:xfrm>
+            <a:off x="4885150" y="491738"/>
+            <a:ext cx="2929007" cy="369332"/>
+          </a:xfrm>
+          <a:prstGeom prst="rect">
+            <a:avLst/>
+          </a:prstGeom>
+          <a:noFill/>
+        </p:spPr>
+        <p:txBody>
+          <a:bodyPr wrap="none" rtlCol="0">
+            <a:spAutoFit/>
+          </a:bodyPr>
+          <a:lstStyle/>
+          <a:p>
+            <a:r>
+              <a:rPr lang="en-US" b="1" dirty="0">
+                <a:latin typeface="Arial" panose="020B0604020202020204" pitchFamily="34" charset="0"/>
+                <a:cs typeface="Arial" panose="020B0604020202020204" pitchFamily="34" charset="0"/>
+              </a:rPr>
+              <a:t>Proteins affected by time</a:t>
+            </a:r>
+          </a:p>
+        </p:txBody>
+      </p:sp>
+      <p:sp>
+        <p:nvSpPr>
+          <p:cNvPr id="13" name="Rectangle 12">
+            <a:extLst>
+              <a:ext uri="{FF2B5EF4-FFF2-40B4-BE49-F238E27FC236}">
+                <a16:creationId xmlns:a16="http://schemas.microsoft.com/office/drawing/2014/main" id="{58B00DB5-BC65-DB41-98C0-1D7F33C2C1DA}"/>
+              </a:ext>
+            </a:extLst>
+          </p:cNvPr>
+          <p:cNvSpPr/>
+          <p:nvPr/>
+        </p:nvSpPr>
+        <p:spPr>
+          <a:xfrm>
+            <a:off x="5199068" y="1352809"/>
+            <a:ext cx="733999" cy="4972833"/>
+          </a:xfrm>
+          <a:prstGeom prst="rect">
+            <a:avLst/>
+          </a:prstGeom>
+          <a:noFill/>
+          <a:ln w="19050">
+            <a:solidFill>
+              <a:schemeClr val="bg1">
+                <a:lumMod val="75000"/>
+              </a:schemeClr>
+            </a:solidFill>
+          </a:ln>
+        </p:spPr>
+        <p:style>
+          <a:lnRef idx="2">
+            <a:schemeClr val="accent1">
+              <a:shade val="50000"/>
+            </a:schemeClr>
+          </a:lnRef>
+          <a:fillRef idx="1">
+            <a:schemeClr val="accent1"/>
+          </a:fillRef>
+          <a:effectRef idx="0">
+            <a:schemeClr val="accent1"/>
+          </a:effectRef>
+          <a:fontRef idx="minor">
+            <a:schemeClr val="lt1"/>
+          </a:fontRef>
+        </p:style>
+        <p:txBody>
+          <a:bodyPr rtlCol="0" anchor="ctr"/>
+          <a:lstStyle/>
+          <a:p>
+            <a:pPr algn="ctr"/>
+            <a:endParaRPr lang="en-US"/>
+          </a:p>
+        </p:txBody>
+      </p:sp>
+      <p:sp>
+        <p:nvSpPr>
+          <p:cNvPr id="14" name="Rectangle 13">
+            <a:extLst>
+              <a:ext uri="{FF2B5EF4-FFF2-40B4-BE49-F238E27FC236}">
+                <a16:creationId xmlns:a16="http://schemas.microsoft.com/office/drawing/2014/main" id="{AA4A2F42-9B0C-6347-A5CE-BD42F8CFACB3}"/>
+              </a:ext>
+            </a:extLst>
+          </p:cNvPr>
+          <p:cNvSpPr/>
+          <p:nvPr/>
+        </p:nvSpPr>
+        <p:spPr>
+          <a:xfrm>
+            <a:off x="5953861" y="1352808"/>
+            <a:ext cx="691779" cy="4972833"/>
+          </a:xfrm>
+          <a:prstGeom prst="rect">
+            <a:avLst/>
+          </a:prstGeom>
+          <a:noFill/>
+          <a:ln w="19050">
+            <a:solidFill>
+              <a:schemeClr val="bg1">
+                <a:lumMod val="65000"/>
+              </a:schemeClr>
+            </a:solidFill>
+          </a:ln>
+        </p:spPr>
+        <p:style>
+          <a:lnRef idx="2">
+            <a:schemeClr val="accent1">
+              <a:shade val="50000"/>
+            </a:schemeClr>
+          </a:lnRef>
+          <a:fillRef idx="1">
+            <a:schemeClr val="accent1"/>
+          </a:fillRef>
+          <a:effectRef idx="0">
+            <a:schemeClr val="accent1"/>
+          </a:effectRef>
+          <a:fontRef idx="minor">
+            <a:schemeClr val="lt1"/>
+          </a:fontRef>
+        </p:style>
+        <p:txBody>
+          <a:bodyPr rtlCol="0" anchor="ctr"/>
+          <a:lstStyle/>
+          <a:p>
+            <a:pPr algn="ctr"/>
+            <a:endParaRPr lang="en-US"/>
+          </a:p>
+        </p:txBody>
+      </p:sp>
+      <p:sp>
+        <p:nvSpPr>
+          <p:cNvPr id="15" name="Rectangle 14">
+            <a:extLst>
+              <a:ext uri="{FF2B5EF4-FFF2-40B4-BE49-F238E27FC236}">
+                <a16:creationId xmlns:a16="http://schemas.microsoft.com/office/drawing/2014/main" id="{B6FC7B93-5269-9849-BBD0-C7D76F9D1719}"/>
+              </a:ext>
+            </a:extLst>
+          </p:cNvPr>
+          <p:cNvSpPr/>
+          <p:nvPr/>
+        </p:nvSpPr>
+        <p:spPr>
+          <a:xfrm>
+            <a:off x="7461153" y="1352807"/>
+            <a:ext cx="708371" cy="4972833"/>
+          </a:xfrm>
+          <a:prstGeom prst="rect">
+            <a:avLst/>
+          </a:prstGeom>
+          <a:noFill/>
+          <a:ln w="19050">
+            <a:solidFill>
+              <a:schemeClr val="tx1">
+                <a:lumMod val="65000"/>
+                <a:lumOff val="35000"/>
+              </a:schemeClr>
+            </a:solidFill>
+          </a:ln>
+        </p:spPr>
+        <p:style>
+          <a:lnRef idx="2">
+            <a:schemeClr val="accent1">
+              <a:shade val="50000"/>
+            </a:schemeClr>
+          </a:lnRef>
+          <a:fillRef idx="1">
+            <a:schemeClr val="accent1"/>
+          </a:fillRef>
+          <a:effectRef idx="0">
+            <a:schemeClr val="accent1"/>
+          </a:effectRef>
+          <a:fontRef idx="minor">
+            <a:schemeClr val="lt1"/>
+          </a:fontRef>
+        </p:style>
+        <p:txBody>
+          <a:bodyPr rtlCol="0" anchor="ctr"/>
+          <a:lstStyle/>
+          <a:p>
+            <a:pPr algn="ctr"/>
+            <a:endParaRPr lang="en-US"/>
+          </a:p>
+        </p:txBody>
+      </p:sp>
+      <p:sp>
+        <p:nvSpPr>
+          <p:cNvPr id="16" name="Rectangle 15">
+            <a:extLst>
+              <a:ext uri="{FF2B5EF4-FFF2-40B4-BE49-F238E27FC236}">
+                <a16:creationId xmlns:a16="http://schemas.microsoft.com/office/drawing/2014/main" id="{6AECF428-B1E3-2E44-9532-90360DEAED2A}"/>
+              </a:ext>
+            </a:extLst>
+          </p:cNvPr>
+          <p:cNvSpPr/>
+          <p:nvPr/>
+        </p:nvSpPr>
+        <p:spPr>
+          <a:xfrm>
+            <a:off x="6679968" y="1352807"/>
+            <a:ext cx="749532" cy="4972833"/>
+          </a:xfrm>
+          <a:prstGeom prst="rect">
+            <a:avLst/>
+          </a:prstGeom>
+          <a:noFill/>
+          <a:ln w="19050">
+            <a:solidFill>
+              <a:schemeClr val="bg1">
+                <a:lumMod val="50000"/>
+              </a:schemeClr>
+            </a:solidFill>
+          </a:ln>
+        </p:spPr>
+        <p:style>
+          <a:lnRef idx="2">
+            <a:schemeClr val="accent1">
+              <a:shade val="50000"/>
+            </a:schemeClr>
+          </a:lnRef>
+          <a:fillRef idx="1">
+            <a:schemeClr val="accent1"/>
+          </a:fillRef>
+          <a:effectRef idx="0">
+            <a:schemeClr val="accent1"/>
+          </a:effectRef>
+          <a:fontRef idx="minor">
+            <a:schemeClr val="lt1"/>
+          </a:fontRef>
+        </p:style>
+        <p:txBody>
+          <a:bodyPr rtlCol="0" anchor="ctr"/>
+          <a:lstStyle/>
+          <a:p>
+            <a:pPr algn="ctr"/>
+            <a:endParaRPr lang="en-US"/>
+          </a:p>
+        </p:txBody>
+      </p:sp>
+      <p:sp>
+        <p:nvSpPr>
+          <p:cNvPr id="17" name="Rectangle 16">
+            <a:extLst>
+              <a:ext uri="{FF2B5EF4-FFF2-40B4-BE49-F238E27FC236}">
+                <a16:creationId xmlns:a16="http://schemas.microsoft.com/office/drawing/2014/main" id="{1EDE6CB4-4A30-2543-B44F-F04B69553A69}"/>
+              </a:ext>
+            </a:extLst>
+          </p:cNvPr>
+          <p:cNvSpPr/>
+          <p:nvPr/>
+        </p:nvSpPr>
+        <p:spPr>
+          <a:xfrm>
+            <a:off x="8193983" y="1352806"/>
+            <a:ext cx="776332" cy="4972833"/>
+          </a:xfrm>
+          <a:prstGeom prst="rect">
+            <a:avLst/>
+          </a:prstGeom>
+          <a:noFill/>
+          <a:ln w="19050">
+            <a:solidFill>
+              <a:schemeClr val="tx1"/>
+            </a:solidFill>
+          </a:ln>
+        </p:spPr>
+        <p:style>
+          <a:lnRef idx="2">
+            <a:schemeClr val="accent1">
+              <a:shade val="50000"/>
+            </a:schemeClr>
+          </a:lnRef>
+          <a:fillRef idx="1">
+            <a:schemeClr val="accent1"/>
+          </a:fillRef>
+          <a:effectRef idx="0">
+            <a:schemeClr val="accent1"/>
+          </a:effectRef>
+          <a:fontRef idx="minor">
+            <a:schemeClr val="lt1"/>
+          </a:fontRef>
+        </p:style>
+        <p:txBody>
+          <a:bodyPr rtlCol="0" anchor="ctr"/>
+          <a:lstStyle/>
+          <a:p>
+            <a:pPr algn="ctr"/>
+            <a:endParaRPr lang="en-US"/>
+          </a:p>
+        </p:txBody>
+      </p:sp>
+      <p:sp>
+        <p:nvSpPr>
+          <p:cNvPr id="18" name="TextBox 17">
+            <a:extLst>
+              <a:ext uri="{FF2B5EF4-FFF2-40B4-BE49-F238E27FC236}">
+                <a16:creationId xmlns:a16="http://schemas.microsoft.com/office/drawing/2014/main" id="{844770AD-342E-3B49-A813-999B7AC0B44D}"/>
+              </a:ext>
+            </a:extLst>
+          </p:cNvPr>
+          <p:cNvSpPr txBox="1"/>
+          <p:nvPr/>
+        </p:nvSpPr>
+        <p:spPr>
+          <a:xfrm>
+            <a:off x="6867340" y="1080794"/>
+            <a:ext cx="284052" cy="307777"/>
+          </a:xfrm>
+          <a:prstGeom prst="rect">
+            <a:avLst/>
+          </a:prstGeom>
+          <a:noFill/>
+        </p:spPr>
+        <p:txBody>
+          <a:bodyPr wrap="none" rtlCol="0">
+            <a:spAutoFit/>
+          </a:bodyPr>
+          <a:lstStyle/>
+          <a:p>
+            <a:r>
+              <a:rPr lang="en-US" sz="1400" dirty="0">
+                <a:solidFill>
+                  <a:schemeClr val="tx1">
+                    <a:lumMod val="50000"/>
+                    <a:lumOff val="50000"/>
+                  </a:schemeClr>
+                </a:solidFill>
+                <a:latin typeface="Arial" panose="020B0604020202020204" pitchFamily="34" charset="0"/>
+                <a:cs typeface="Arial" panose="020B0604020202020204" pitchFamily="34" charset="0"/>
+              </a:rPr>
+              <a:t>9</a:t>
+            </a:r>
+          </a:p>
+        </p:txBody>
+      </p:sp>
+      <p:sp>
+        <p:nvSpPr>
+          <p:cNvPr id="19" name="TextBox 18">
+            <a:extLst>
+              <a:ext uri="{FF2B5EF4-FFF2-40B4-BE49-F238E27FC236}">
+                <a16:creationId xmlns:a16="http://schemas.microsoft.com/office/drawing/2014/main" id="{BBCA0E79-8535-5046-99CB-A71C45541D63}"/>
+              </a:ext>
+            </a:extLst>
+          </p:cNvPr>
+          <p:cNvSpPr txBox="1"/>
+          <p:nvPr/>
+        </p:nvSpPr>
+        <p:spPr>
+          <a:xfrm>
+            <a:off x="4655367" y="1080794"/>
+            <a:ext cx="284052" cy="307777"/>
+          </a:xfrm>
+          <a:prstGeom prst="rect">
+            <a:avLst/>
+          </a:prstGeom>
+          <a:noFill/>
+        </p:spPr>
+        <p:txBody>
+          <a:bodyPr wrap="none" rtlCol="0">
+            <a:spAutoFit/>
+          </a:bodyPr>
+          <a:lstStyle/>
+          <a:p>
+            <a:r>
+              <a:rPr lang="en-US" sz="1400" dirty="0">
+                <a:solidFill>
+                  <a:schemeClr val="bg1">
+                    <a:lumMod val="75000"/>
+                  </a:schemeClr>
+                </a:solidFill>
+                <a:latin typeface="Arial" panose="020B0604020202020204" pitchFamily="34" charset="0"/>
+                <a:cs typeface="Arial" panose="020B0604020202020204" pitchFamily="34" charset="0"/>
+              </a:rPr>
+              <a:t>3</a:t>
+            </a:r>
+          </a:p>
+        </p:txBody>
+      </p:sp>
+      <p:sp>
+        <p:nvSpPr>
+          <p:cNvPr id="4" name="TextBox 3">
+            <a:extLst>
+              <a:ext uri="{FF2B5EF4-FFF2-40B4-BE49-F238E27FC236}">
+                <a16:creationId xmlns:a16="http://schemas.microsoft.com/office/drawing/2014/main" id="{F2625021-BBA0-724B-946E-1477DCFC2A83}"/>
+              </a:ext>
+            </a:extLst>
+          </p:cNvPr>
+          <p:cNvSpPr txBox="1"/>
+          <p:nvPr/>
+        </p:nvSpPr>
+        <p:spPr>
+          <a:xfrm>
+            <a:off x="4079400" y="1080794"/>
+            <a:ext cx="284052" cy="307777"/>
+          </a:xfrm>
+          <a:prstGeom prst="rect">
+            <a:avLst/>
+          </a:prstGeom>
+          <a:noFill/>
+        </p:spPr>
+        <p:txBody>
+          <a:bodyPr wrap="none" rtlCol="0">
+            <a:spAutoFit/>
+          </a:bodyPr>
+          <a:lstStyle/>
+          <a:p>
+            <a:r>
+              <a:rPr lang="en-US" sz="1400" dirty="0">
+                <a:latin typeface="Arial" panose="020B0604020202020204" pitchFamily="34" charset="0"/>
+                <a:cs typeface="Arial" panose="020B0604020202020204" pitchFamily="34" charset="0"/>
+              </a:rPr>
+              <a:t>0</a:t>
+            </a:r>
+          </a:p>
+        </p:txBody>
+      </p:sp>
+      <p:sp>
+        <p:nvSpPr>
+          <p:cNvPr id="21" name="TextBox 20">
+            <a:extLst>
+              <a:ext uri="{FF2B5EF4-FFF2-40B4-BE49-F238E27FC236}">
+                <a16:creationId xmlns:a16="http://schemas.microsoft.com/office/drawing/2014/main" id="{C72B79E3-9B83-9E4D-BEEB-6D04E58E5187}"/>
+              </a:ext>
+            </a:extLst>
+          </p:cNvPr>
+          <p:cNvSpPr txBox="1"/>
+          <p:nvPr/>
+        </p:nvSpPr>
+        <p:spPr>
+          <a:xfrm>
+            <a:off x="7623018" y="1080794"/>
+            <a:ext cx="370101" cy="307777"/>
+          </a:xfrm>
+          <a:prstGeom prst="rect">
+            <a:avLst/>
+          </a:prstGeom>
+          <a:noFill/>
+        </p:spPr>
+        <p:txBody>
+          <a:bodyPr wrap="none" rtlCol="0">
+            <a:spAutoFit/>
+          </a:bodyPr>
+          <a:lstStyle/>
+          <a:p>
+            <a:r>
+              <a:rPr lang="en-US" sz="1400" dirty="0">
+                <a:solidFill>
+                  <a:schemeClr val="tx1">
+                    <a:lumMod val="65000"/>
+                    <a:lumOff val="35000"/>
+                  </a:schemeClr>
+                </a:solidFill>
+                <a:latin typeface="Arial" panose="020B0604020202020204" pitchFamily="34" charset="0"/>
+                <a:cs typeface="Arial" panose="020B0604020202020204" pitchFamily="34" charset="0"/>
+              </a:rPr>
+              <a:t>11</a:t>
+            </a:r>
+          </a:p>
+        </p:txBody>
+      </p:sp>
+      <p:sp>
+        <p:nvSpPr>
+          <p:cNvPr id="22" name="TextBox 21">
+            <a:extLst>
+              <a:ext uri="{FF2B5EF4-FFF2-40B4-BE49-F238E27FC236}">
+                <a16:creationId xmlns:a16="http://schemas.microsoft.com/office/drawing/2014/main" id="{999C18C0-60C4-B84A-B76D-C76D607AA0B4}"/>
+              </a:ext>
+            </a:extLst>
+          </p:cNvPr>
+          <p:cNvSpPr txBox="1"/>
+          <p:nvPr/>
+        </p:nvSpPr>
+        <p:spPr>
+          <a:xfrm>
+            <a:off x="8397098" y="1080794"/>
+            <a:ext cx="383438" cy="307777"/>
+          </a:xfrm>
+          <a:prstGeom prst="rect">
+            <a:avLst/>
+          </a:prstGeom>
+          <a:noFill/>
+        </p:spPr>
+        <p:txBody>
+          <a:bodyPr wrap="none" rtlCol="0">
+            <a:spAutoFit/>
+          </a:bodyPr>
+          <a:lstStyle/>
+          <a:p>
+            <a:r>
+              <a:rPr lang="en-US" sz="1400" dirty="0">
+                <a:latin typeface="Arial" panose="020B0604020202020204" pitchFamily="34" charset="0"/>
+                <a:cs typeface="Arial" panose="020B0604020202020204" pitchFamily="34" charset="0"/>
+              </a:rPr>
+              <a:t>13</a:t>
+            </a:r>
+          </a:p>
+        </p:txBody>
+      </p:sp>
+      <p:sp>
+        <p:nvSpPr>
+          <p:cNvPr id="24" name="TextBox 23">
+            <a:extLst>
+              <a:ext uri="{FF2B5EF4-FFF2-40B4-BE49-F238E27FC236}">
+                <a16:creationId xmlns:a16="http://schemas.microsoft.com/office/drawing/2014/main" id="{559D378F-2250-EE4F-80D3-D18DF29BF6CB}"/>
+              </a:ext>
+            </a:extLst>
+          </p:cNvPr>
+          <p:cNvSpPr txBox="1"/>
+          <p:nvPr/>
+        </p:nvSpPr>
+        <p:spPr>
+          <a:xfrm>
+            <a:off x="6306357" y="875650"/>
+            <a:ext cx="534121" cy="276999"/>
+          </a:xfrm>
+          <a:prstGeom prst="rect">
+            <a:avLst/>
+          </a:prstGeom>
+          <a:noFill/>
+        </p:spPr>
+        <p:txBody>
+          <a:bodyPr wrap="none" rtlCol="0">
+            <a:spAutoFit/>
+          </a:bodyPr>
+          <a:lstStyle/>
+          <a:p>
+            <a:r>
+              <a:rPr lang="en-US" sz="1200" dirty="0">
+                <a:latin typeface="Arial" panose="020B0604020202020204" pitchFamily="34" charset="0"/>
+                <a:cs typeface="Arial" panose="020B0604020202020204" pitchFamily="34" charset="0"/>
+              </a:rPr>
+              <a:t>Days</a:t>
+            </a:r>
+          </a:p>
+        </p:txBody>
+      </p:sp>
+    </p:spTree>
+    <p:extLst>
+      <p:ext uri="{BB962C8B-B14F-4D97-AF65-F5344CB8AC3E}">
+        <p14:creationId xmlns:p14="http://schemas.microsoft.com/office/powerpoint/2010/main" val="841236034"/>
+      </p:ext>
+    </p:extLst>
+  </p:cSld>
+  <p:clrMapOvr>
+    <a:masterClrMapping/>
+  </p:clrMapOvr>
+</p:sld>
+</file>
+
+<file path=ppt/slides/slide7.xml><?xml version="1.0" encoding="utf-8"?>
+<p:sld xmlns:a="http://schemas.openxmlformats.org/drawingml/2006/main" xmlns:r="http://schemas.openxmlformats.org/officeDocument/2006/relationships" xmlns:p="http://schemas.openxmlformats.org/presentationml/2006/main">
+  <p:cSld>
+    <p:spTree>
+      <p:nvGrpSpPr>
+        <p:cNvPr id="1" name=""/>
+        <p:cNvGrpSpPr/>
+        <p:nvPr/>
+      </p:nvGrpSpPr>
+      <p:grpSpPr>
+        <a:xfrm>
+          <a:off x="0" y="0"/>
+          <a:ext cx="0" cy="0"/>
+          <a:chOff x="0" y="0"/>
+          <a:chExt cx="0" cy="0"/>
+        </a:xfrm>
+      </p:grpSpPr>
+      <p:pic>
+        <p:nvPicPr>
+          <p:cNvPr id="3" name="Picture 2">
+            <a:extLst>
+              <a:ext uri="{FF2B5EF4-FFF2-40B4-BE49-F238E27FC236}">
+                <a16:creationId xmlns:a16="http://schemas.microsoft.com/office/drawing/2014/main" id="{2AAD02D2-78CA-7945-85BF-0647D121C50D}"/>
+              </a:ext>
+            </a:extLst>
+          </p:cNvPr>
+          <p:cNvPicPr>
+            <a:picLocks noChangeAspect="1"/>
+          </p:cNvPicPr>
+          <p:nvPr/>
+        </p:nvPicPr>
+        <p:blipFill>
+          <a:blip r:embed="rId2"/>
+          <a:stretch>
+            <a:fillRect/>
+          </a:stretch>
+        </p:blipFill>
+        <p:spPr>
+          <a:xfrm>
+            <a:off x="2667000" y="0"/>
+            <a:ext cx="6858000" cy="6858000"/>
+          </a:xfrm>
+          <a:prstGeom prst="rect">
+            <a:avLst/>
+          </a:prstGeom>
+        </p:spPr>
+      </p:pic>
+      <p:sp>
+        <p:nvSpPr>
+          <p:cNvPr id="12" name="TextBox 11">
+            <a:extLst>
+              <a:ext uri="{FF2B5EF4-FFF2-40B4-BE49-F238E27FC236}">
+                <a16:creationId xmlns:a16="http://schemas.microsoft.com/office/drawing/2014/main" id="{56EA76A6-C8DF-AB45-B7DE-A8A7E8CEDD14}"/>
+              </a:ext>
+            </a:extLst>
+          </p:cNvPr>
+          <p:cNvSpPr txBox="1"/>
+          <p:nvPr/>
+        </p:nvSpPr>
+        <p:spPr>
+          <a:xfrm>
+            <a:off x="4345164" y="491738"/>
+            <a:ext cx="5763116" cy="369332"/>
+          </a:xfrm>
+          <a:prstGeom prst="rect">
+            <a:avLst/>
+          </a:prstGeom>
+          <a:noFill/>
+        </p:spPr>
+        <p:txBody>
+          <a:bodyPr wrap="none" rtlCol="0">
+            <a:spAutoFit/>
+          </a:bodyPr>
+          <a:lstStyle/>
+          <a:p>
+            <a:r>
+              <a:rPr lang="en-US" b="1" dirty="0">
+                <a:latin typeface="Arial" panose="020B0604020202020204" pitchFamily="34" charset="0"/>
+                <a:cs typeface="Arial" panose="020B0604020202020204" pitchFamily="34" charset="0"/>
+              </a:rPr>
+              <a:t>Proteins affected by time x temperature interaction</a:t>
+            </a:r>
+          </a:p>
+        </p:txBody>
+      </p:sp>
+      <p:sp>
+        <p:nvSpPr>
+          <p:cNvPr id="13" name="Rectangle 12">
+            <a:extLst>
+              <a:ext uri="{FF2B5EF4-FFF2-40B4-BE49-F238E27FC236}">
+                <a16:creationId xmlns:a16="http://schemas.microsoft.com/office/drawing/2014/main" id="{F59AF874-AA23-854E-9A57-FB7DD2A3AA0A}"/>
+              </a:ext>
+            </a:extLst>
+          </p:cNvPr>
+          <p:cNvSpPr/>
+          <p:nvPr/>
+        </p:nvSpPr>
+        <p:spPr>
+          <a:xfrm>
+            <a:off x="4415963" y="1352810"/>
+            <a:ext cx="759139" cy="4972833"/>
+          </a:xfrm>
+          <a:prstGeom prst="rect">
+            <a:avLst/>
+          </a:prstGeom>
+          <a:noFill/>
+          <a:ln w="19050">
+            <a:solidFill>
+              <a:schemeClr val="bg1">
+                <a:lumMod val="85000"/>
+              </a:schemeClr>
+            </a:solidFill>
+          </a:ln>
+        </p:spPr>
+        <p:style>
+          <a:lnRef idx="2">
+            <a:schemeClr val="accent1">
+              <a:shade val="50000"/>
+            </a:schemeClr>
+          </a:lnRef>
+          <a:fillRef idx="1">
+            <a:schemeClr val="accent1"/>
+          </a:fillRef>
+          <a:effectRef idx="0">
+            <a:schemeClr val="accent1"/>
+          </a:effectRef>
+          <a:fontRef idx="minor">
+            <a:schemeClr val="lt1"/>
+          </a:fontRef>
+        </p:style>
+        <p:txBody>
+          <a:bodyPr rtlCol="0" anchor="ctr"/>
+          <a:lstStyle/>
+          <a:p>
+            <a:pPr algn="ctr"/>
+            <a:endParaRPr lang="en-US">
+              <a:solidFill>
+                <a:schemeClr val="accent2"/>
+              </a:solidFill>
+            </a:endParaRPr>
+          </a:p>
+        </p:txBody>
+      </p:sp>
+      <p:sp>
+        <p:nvSpPr>
+          <p:cNvPr id="14" name="TextBox 13">
+            <a:extLst>
+              <a:ext uri="{FF2B5EF4-FFF2-40B4-BE49-F238E27FC236}">
+                <a16:creationId xmlns:a16="http://schemas.microsoft.com/office/drawing/2014/main" id="{FD1710EA-E36F-F54A-A3AE-DD400DF73478}"/>
+              </a:ext>
+            </a:extLst>
+          </p:cNvPr>
+          <p:cNvSpPr txBox="1"/>
+          <p:nvPr/>
+        </p:nvSpPr>
+        <p:spPr>
+          <a:xfrm>
+            <a:off x="5408378" y="1080794"/>
+            <a:ext cx="284052" cy="307777"/>
+          </a:xfrm>
+          <a:prstGeom prst="rect">
+            <a:avLst/>
+          </a:prstGeom>
+          <a:noFill/>
+        </p:spPr>
+        <p:txBody>
+          <a:bodyPr wrap="none" rtlCol="0">
+            <a:spAutoFit/>
+          </a:bodyPr>
+          <a:lstStyle/>
+          <a:p>
+            <a:r>
+              <a:rPr lang="en-US" sz="1400" dirty="0">
+                <a:solidFill>
+                  <a:schemeClr val="bg1">
+                    <a:lumMod val="65000"/>
+                  </a:schemeClr>
+                </a:solidFill>
+                <a:latin typeface="Arial" panose="020B0604020202020204" pitchFamily="34" charset="0"/>
+                <a:cs typeface="Arial" panose="020B0604020202020204" pitchFamily="34" charset="0"/>
+              </a:rPr>
+              <a:t>5</a:t>
+            </a:r>
+          </a:p>
+        </p:txBody>
+      </p:sp>
+      <p:sp>
+        <p:nvSpPr>
+          <p:cNvPr id="15" name="TextBox 14">
+            <a:extLst>
+              <a:ext uri="{FF2B5EF4-FFF2-40B4-BE49-F238E27FC236}">
+                <a16:creationId xmlns:a16="http://schemas.microsoft.com/office/drawing/2014/main" id="{E30DB603-300A-9B4C-9D02-652164DA6F3E}"/>
+              </a:ext>
+            </a:extLst>
+          </p:cNvPr>
+          <p:cNvSpPr txBox="1"/>
+          <p:nvPr/>
+        </p:nvSpPr>
+        <p:spPr>
+          <a:xfrm>
+            <a:off x="6134485" y="1080794"/>
+            <a:ext cx="284052" cy="307777"/>
+          </a:xfrm>
+          <a:prstGeom prst="rect">
+            <a:avLst/>
+          </a:prstGeom>
+          <a:noFill/>
+        </p:spPr>
+        <p:txBody>
+          <a:bodyPr wrap="none" rtlCol="0">
+            <a:spAutoFit/>
+          </a:bodyPr>
+          <a:lstStyle/>
+          <a:p>
+            <a:r>
+              <a:rPr lang="en-US" sz="1400" dirty="0">
+                <a:solidFill>
+                  <a:schemeClr val="bg1">
+                    <a:lumMod val="50000"/>
+                  </a:schemeClr>
+                </a:solidFill>
+                <a:latin typeface="Arial" panose="020B0604020202020204" pitchFamily="34" charset="0"/>
+                <a:cs typeface="Arial" panose="020B0604020202020204" pitchFamily="34" charset="0"/>
+              </a:rPr>
+              <a:t>7</a:t>
+            </a:r>
+          </a:p>
+        </p:txBody>
+      </p:sp>
+      <p:sp>
+        <p:nvSpPr>
+          <p:cNvPr id="16" name="TextBox 15">
+            <a:extLst>
+              <a:ext uri="{FF2B5EF4-FFF2-40B4-BE49-F238E27FC236}">
+                <a16:creationId xmlns:a16="http://schemas.microsoft.com/office/drawing/2014/main" id="{A34EF4F3-1754-8246-9102-A652E0F208D3}"/>
+              </a:ext>
+            </a:extLst>
+          </p:cNvPr>
+          <p:cNvSpPr txBox="1"/>
+          <p:nvPr/>
+        </p:nvSpPr>
+        <p:spPr>
+          <a:xfrm>
+            <a:off x="2769400" y="993457"/>
+            <a:ext cx="1377300" cy="246221"/>
+          </a:xfrm>
+          <a:prstGeom prst="rect">
+            <a:avLst/>
+          </a:prstGeom>
+          <a:noFill/>
+        </p:spPr>
+        <p:txBody>
+          <a:bodyPr wrap="none" rtlCol="0">
+            <a:spAutoFit/>
+          </a:bodyPr>
+          <a:lstStyle/>
+          <a:p>
+            <a:r>
+              <a:rPr lang="en-US" sz="1000" dirty="0">
+                <a:latin typeface="Arial" panose="020B0604020202020204" pitchFamily="34" charset="0"/>
+                <a:cs typeface="Arial" panose="020B0604020202020204" pitchFamily="34" charset="0"/>
+              </a:rPr>
+              <a:t>relative NSAF values</a:t>
+            </a:r>
+          </a:p>
+        </p:txBody>
+      </p:sp>
+      <p:sp>
+        <p:nvSpPr>
+          <p:cNvPr id="17" name="TextBox 16">
+            <a:extLst>
+              <a:ext uri="{FF2B5EF4-FFF2-40B4-BE49-F238E27FC236}">
+                <a16:creationId xmlns:a16="http://schemas.microsoft.com/office/drawing/2014/main" id="{3912B40A-6045-9048-94C6-63AAAE647599}"/>
+              </a:ext>
+            </a:extLst>
+          </p:cNvPr>
+          <p:cNvSpPr txBox="1"/>
+          <p:nvPr/>
+        </p:nvSpPr>
+        <p:spPr>
+          <a:xfrm>
+            <a:off x="9024542" y="1192693"/>
+            <a:ext cx="500458" cy="215444"/>
+          </a:xfrm>
+          <a:prstGeom prst="rect">
+            <a:avLst/>
+          </a:prstGeom>
+          <a:noFill/>
+        </p:spPr>
+        <p:txBody>
+          <a:bodyPr wrap="none" rtlCol="0">
+            <a:spAutoFit/>
+          </a:bodyPr>
+          <a:lstStyle/>
+          <a:p>
+            <a:r>
+              <a:rPr lang="en-US" sz="800" dirty="0">
+                <a:latin typeface="Arial" panose="020B0604020202020204" pitchFamily="34" charset="0"/>
+                <a:cs typeface="Arial" panose="020B0604020202020204" pitchFamily="34" charset="0"/>
+              </a:rPr>
+              <a:t>protein</a:t>
+            </a:r>
+          </a:p>
+        </p:txBody>
+      </p:sp>
+      <p:sp>
+        <p:nvSpPr>
+          <p:cNvPr id="18" name="Rectangle 17">
+            <a:extLst>
+              <a:ext uri="{FF2B5EF4-FFF2-40B4-BE49-F238E27FC236}">
+                <a16:creationId xmlns:a16="http://schemas.microsoft.com/office/drawing/2014/main" id="{27849AA0-29E7-424C-AFC5-19CA933EE6BD}"/>
+              </a:ext>
+            </a:extLst>
+          </p:cNvPr>
+          <p:cNvSpPr/>
+          <p:nvPr/>
+        </p:nvSpPr>
+        <p:spPr>
+          <a:xfrm>
+            <a:off x="5199068" y="1352809"/>
+            <a:ext cx="733999" cy="4972833"/>
+          </a:xfrm>
+          <a:prstGeom prst="rect">
+            <a:avLst/>
+          </a:prstGeom>
+          <a:noFill/>
+          <a:ln w="19050">
+            <a:solidFill>
+              <a:schemeClr val="bg1">
+                <a:lumMod val="75000"/>
+              </a:schemeClr>
+            </a:solidFill>
+          </a:ln>
+        </p:spPr>
+        <p:style>
+          <a:lnRef idx="2">
+            <a:schemeClr val="accent1">
+              <a:shade val="50000"/>
+            </a:schemeClr>
+          </a:lnRef>
+          <a:fillRef idx="1">
+            <a:schemeClr val="accent1"/>
+          </a:fillRef>
+          <a:effectRef idx="0">
+            <a:schemeClr val="accent1"/>
+          </a:effectRef>
+          <a:fontRef idx="minor">
+            <a:schemeClr val="lt1"/>
+          </a:fontRef>
+        </p:style>
+        <p:txBody>
+          <a:bodyPr rtlCol="0" anchor="ctr"/>
+          <a:lstStyle/>
+          <a:p>
+            <a:pPr algn="ctr"/>
+            <a:endParaRPr lang="en-US"/>
+          </a:p>
+        </p:txBody>
+      </p:sp>
+      <p:sp>
+        <p:nvSpPr>
+          <p:cNvPr id="19" name="Rectangle 18">
+            <a:extLst>
+              <a:ext uri="{FF2B5EF4-FFF2-40B4-BE49-F238E27FC236}">
+                <a16:creationId xmlns:a16="http://schemas.microsoft.com/office/drawing/2014/main" id="{EF280C90-7BAB-CA4E-90BA-DFA9BF7E87AA}"/>
+              </a:ext>
+            </a:extLst>
+          </p:cNvPr>
+          <p:cNvSpPr/>
+          <p:nvPr/>
+        </p:nvSpPr>
+        <p:spPr>
+          <a:xfrm>
+            <a:off x="5953861" y="1352808"/>
+            <a:ext cx="691779" cy="4972833"/>
+          </a:xfrm>
+          <a:prstGeom prst="rect">
+            <a:avLst/>
+          </a:prstGeom>
+          <a:noFill/>
+          <a:ln w="19050">
+            <a:solidFill>
+              <a:schemeClr val="bg1">
+                <a:lumMod val="65000"/>
+              </a:schemeClr>
+            </a:solidFill>
+          </a:ln>
+        </p:spPr>
+        <p:style>
+          <a:lnRef idx="2">
+            <a:schemeClr val="accent1">
+              <a:shade val="50000"/>
+            </a:schemeClr>
+          </a:lnRef>
+          <a:fillRef idx="1">
+            <a:schemeClr val="accent1"/>
+          </a:fillRef>
+          <a:effectRef idx="0">
+            <a:schemeClr val="accent1"/>
+          </a:effectRef>
+          <a:fontRef idx="minor">
+            <a:schemeClr val="lt1"/>
+          </a:fontRef>
+        </p:style>
+        <p:txBody>
+          <a:bodyPr rtlCol="0" anchor="ctr"/>
+          <a:lstStyle/>
+          <a:p>
+            <a:pPr algn="ctr"/>
+            <a:endParaRPr lang="en-US"/>
+          </a:p>
+        </p:txBody>
+      </p:sp>
+      <p:sp>
+        <p:nvSpPr>
+          <p:cNvPr id="20" name="Rectangle 19">
+            <a:extLst>
+              <a:ext uri="{FF2B5EF4-FFF2-40B4-BE49-F238E27FC236}">
+                <a16:creationId xmlns:a16="http://schemas.microsoft.com/office/drawing/2014/main" id="{1F6D0567-2097-4F44-98E1-4102E25006DC}"/>
+              </a:ext>
+            </a:extLst>
+          </p:cNvPr>
+          <p:cNvSpPr/>
+          <p:nvPr/>
+        </p:nvSpPr>
+        <p:spPr>
+          <a:xfrm>
+            <a:off x="7461153" y="1352807"/>
+            <a:ext cx="708371" cy="4972833"/>
+          </a:xfrm>
+          <a:prstGeom prst="rect">
+            <a:avLst/>
+          </a:prstGeom>
+          <a:noFill/>
+          <a:ln w="19050">
+            <a:solidFill>
+              <a:schemeClr val="tx1">
+                <a:lumMod val="65000"/>
+                <a:lumOff val="35000"/>
+              </a:schemeClr>
+            </a:solidFill>
+          </a:ln>
+        </p:spPr>
+        <p:style>
+          <a:lnRef idx="2">
+            <a:schemeClr val="accent1">
+              <a:shade val="50000"/>
+            </a:schemeClr>
+          </a:lnRef>
+          <a:fillRef idx="1">
+            <a:schemeClr val="accent1"/>
+          </a:fillRef>
+          <a:effectRef idx="0">
+            <a:schemeClr val="accent1"/>
+          </a:effectRef>
+          <a:fontRef idx="minor">
+            <a:schemeClr val="lt1"/>
+          </a:fontRef>
+        </p:style>
+        <p:txBody>
+          <a:bodyPr rtlCol="0" anchor="ctr"/>
+          <a:lstStyle/>
+          <a:p>
+            <a:pPr algn="ctr"/>
+            <a:endParaRPr lang="en-US"/>
+          </a:p>
+        </p:txBody>
+      </p:sp>
+      <p:sp>
+        <p:nvSpPr>
+          <p:cNvPr id="21" name="Rectangle 20">
+            <a:extLst>
+              <a:ext uri="{FF2B5EF4-FFF2-40B4-BE49-F238E27FC236}">
+                <a16:creationId xmlns:a16="http://schemas.microsoft.com/office/drawing/2014/main" id="{E1BD6A3F-10AA-AC4F-88CA-32D5249F6FB4}"/>
+              </a:ext>
+            </a:extLst>
+          </p:cNvPr>
+          <p:cNvSpPr/>
+          <p:nvPr/>
+        </p:nvSpPr>
+        <p:spPr>
+          <a:xfrm>
+            <a:off x="6679968" y="1352807"/>
+            <a:ext cx="749532" cy="4972833"/>
+          </a:xfrm>
+          <a:prstGeom prst="rect">
+            <a:avLst/>
+          </a:prstGeom>
+          <a:noFill/>
+          <a:ln w="19050">
+            <a:solidFill>
+              <a:schemeClr val="bg1">
+                <a:lumMod val="50000"/>
+              </a:schemeClr>
+            </a:solidFill>
+          </a:ln>
+        </p:spPr>
+        <p:style>
+          <a:lnRef idx="2">
+            <a:schemeClr val="accent1">
+              <a:shade val="50000"/>
+            </a:schemeClr>
+          </a:lnRef>
+          <a:fillRef idx="1">
+            <a:schemeClr val="accent1"/>
+          </a:fillRef>
+          <a:effectRef idx="0">
+            <a:schemeClr val="accent1"/>
+          </a:effectRef>
+          <a:fontRef idx="minor">
+            <a:schemeClr val="lt1"/>
+          </a:fontRef>
+        </p:style>
+        <p:txBody>
+          <a:bodyPr rtlCol="0" anchor="ctr"/>
+          <a:lstStyle/>
+          <a:p>
+            <a:pPr algn="ctr"/>
+            <a:endParaRPr lang="en-US"/>
+          </a:p>
+        </p:txBody>
+      </p:sp>
+      <p:sp>
+        <p:nvSpPr>
+          <p:cNvPr id="22" name="Rectangle 21">
+            <a:extLst>
+              <a:ext uri="{FF2B5EF4-FFF2-40B4-BE49-F238E27FC236}">
+                <a16:creationId xmlns:a16="http://schemas.microsoft.com/office/drawing/2014/main" id="{A96F04CC-CDAA-5348-AA5A-714B7E6F3BCB}"/>
+              </a:ext>
+            </a:extLst>
+          </p:cNvPr>
+          <p:cNvSpPr/>
+          <p:nvPr/>
+        </p:nvSpPr>
+        <p:spPr>
+          <a:xfrm>
+            <a:off x="8193983" y="1352806"/>
+            <a:ext cx="776332" cy="4972833"/>
+          </a:xfrm>
+          <a:prstGeom prst="rect">
+            <a:avLst/>
+          </a:prstGeom>
+          <a:noFill/>
+          <a:ln w="19050">
+            <a:solidFill>
+              <a:schemeClr val="tx1"/>
+            </a:solidFill>
+          </a:ln>
+        </p:spPr>
+        <p:style>
+          <a:lnRef idx="2">
+            <a:schemeClr val="accent1">
+              <a:shade val="50000"/>
+            </a:schemeClr>
+          </a:lnRef>
+          <a:fillRef idx="1">
+            <a:schemeClr val="accent1"/>
+          </a:fillRef>
+          <a:effectRef idx="0">
+            <a:schemeClr val="accent1"/>
+          </a:effectRef>
+          <a:fontRef idx="minor">
+            <a:schemeClr val="lt1"/>
+          </a:fontRef>
+        </p:style>
+        <p:txBody>
+          <a:bodyPr rtlCol="0" anchor="ctr"/>
+          <a:lstStyle/>
+          <a:p>
+            <a:pPr algn="ctr"/>
+            <a:endParaRPr lang="en-US"/>
+          </a:p>
+        </p:txBody>
+      </p:sp>
+      <p:sp>
+        <p:nvSpPr>
+          <p:cNvPr id="23" name="TextBox 22">
+            <a:extLst>
+              <a:ext uri="{FF2B5EF4-FFF2-40B4-BE49-F238E27FC236}">
+                <a16:creationId xmlns:a16="http://schemas.microsoft.com/office/drawing/2014/main" id="{0D96C21C-0355-3843-8187-8055BFD209E0}"/>
+              </a:ext>
+            </a:extLst>
+          </p:cNvPr>
+          <p:cNvSpPr txBox="1"/>
+          <p:nvPr/>
+        </p:nvSpPr>
+        <p:spPr>
+          <a:xfrm>
+            <a:off x="6867340" y="1080794"/>
+            <a:ext cx="284052" cy="307777"/>
+          </a:xfrm>
+          <a:prstGeom prst="rect">
+            <a:avLst/>
+          </a:prstGeom>
+          <a:noFill/>
+        </p:spPr>
+        <p:txBody>
+          <a:bodyPr wrap="none" rtlCol="0">
+            <a:spAutoFit/>
+          </a:bodyPr>
+          <a:lstStyle/>
+          <a:p>
+            <a:r>
+              <a:rPr lang="en-US" sz="1400" dirty="0">
+                <a:solidFill>
+                  <a:schemeClr val="tx1">
+                    <a:lumMod val="50000"/>
+                    <a:lumOff val="50000"/>
+                  </a:schemeClr>
+                </a:solidFill>
+                <a:latin typeface="Arial" panose="020B0604020202020204" pitchFamily="34" charset="0"/>
+                <a:cs typeface="Arial" panose="020B0604020202020204" pitchFamily="34" charset="0"/>
+              </a:rPr>
+              <a:t>9</a:t>
+            </a:r>
+          </a:p>
+        </p:txBody>
+      </p:sp>
+      <p:sp>
+        <p:nvSpPr>
+          <p:cNvPr id="24" name="TextBox 23">
+            <a:extLst>
+              <a:ext uri="{FF2B5EF4-FFF2-40B4-BE49-F238E27FC236}">
+                <a16:creationId xmlns:a16="http://schemas.microsoft.com/office/drawing/2014/main" id="{B9071769-DDD4-0543-AE7B-A340291FF8EF}"/>
+              </a:ext>
+            </a:extLst>
+          </p:cNvPr>
+          <p:cNvSpPr txBox="1"/>
+          <p:nvPr/>
+        </p:nvSpPr>
+        <p:spPr>
+          <a:xfrm>
+            <a:off x="4655367" y="1080794"/>
+            <a:ext cx="284052" cy="307777"/>
+          </a:xfrm>
+          <a:prstGeom prst="rect">
+            <a:avLst/>
+          </a:prstGeom>
+          <a:noFill/>
+        </p:spPr>
+        <p:txBody>
+          <a:bodyPr wrap="none" rtlCol="0">
+            <a:spAutoFit/>
+          </a:bodyPr>
+          <a:lstStyle/>
+          <a:p>
+            <a:r>
+              <a:rPr lang="en-US" sz="1400" dirty="0">
+                <a:solidFill>
+                  <a:schemeClr val="bg1">
+                    <a:lumMod val="75000"/>
+                  </a:schemeClr>
+                </a:solidFill>
+                <a:latin typeface="Arial" panose="020B0604020202020204" pitchFamily="34" charset="0"/>
+                <a:cs typeface="Arial" panose="020B0604020202020204" pitchFamily="34" charset="0"/>
+              </a:rPr>
+              <a:t>3</a:t>
+            </a:r>
+          </a:p>
+        </p:txBody>
+      </p:sp>
+      <p:sp>
+        <p:nvSpPr>
+          <p:cNvPr id="25" name="TextBox 24">
+            <a:extLst>
+              <a:ext uri="{FF2B5EF4-FFF2-40B4-BE49-F238E27FC236}">
+                <a16:creationId xmlns:a16="http://schemas.microsoft.com/office/drawing/2014/main" id="{35B17BD2-14D5-5E4A-B438-CE364F9CEDD1}"/>
+              </a:ext>
+            </a:extLst>
+          </p:cNvPr>
+          <p:cNvSpPr txBox="1"/>
+          <p:nvPr/>
+        </p:nvSpPr>
+        <p:spPr>
+          <a:xfrm>
+            <a:off x="4079400" y="1080794"/>
+            <a:ext cx="284052" cy="307777"/>
+          </a:xfrm>
+          <a:prstGeom prst="rect">
+            <a:avLst/>
+          </a:prstGeom>
+          <a:noFill/>
+        </p:spPr>
+        <p:txBody>
+          <a:bodyPr wrap="none" rtlCol="0">
+            <a:spAutoFit/>
+          </a:bodyPr>
+          <a:lstStyle/>
+          <a:p>
+            <a:r>
+              <a:rPr lang="en-US" sz="1400" dirty="0">
+                <a:latin typeface="Arial" panose="020B0604020202020204" pitchFamily="34" charset="0"/>
+                <a:cs typeface="Arial" panose="020B0604020202020204" pitchFamily="34" charset="0"/>
+              </a:rPr>
+              <a:t>0</a:t>
+            </a:r>
+          </a:p>
+        </p:txBody>
+      </p:sp>
+      <p:sp>
+        <p:nvSpPr>
+          <p:cNvPr id="26" name="TextBox 25">
+            <a:extLst>
+              <a:ext uri="{FF2B5EF4-FFF2-40B4-BE49-F238E27FC236}">
+                <a16:creationId xmlns:a16="http://schemas.microsoft.com/office/drawing/2014/main" id="{01B96738-B0BB-FD48-A146-EAB7E7B2FEA7}"/>
+              </a:ext>
+            </a:extLst>
+          </p:cNvPr>
+          <p:cNvSpPr txBox="1"/>
+          <p:nvPr/>
+        </p:nvSpPr>
+        <p:spPr>
+          <a:xfrm>
+            <a:off x="7623018" y="1080794"/>
+            <a:ext cx="370101" cy="307777"/>
+          </a:xfrm>
+          <a:prstGeom prst="rect">
+            <a:avLst/>
+          </a:prstGeom>
+          <a:noFill/>
+        </p:spPr>
+        <p:txBody>
+          <a:bodyPr wrap="none" rtlCol="0">
+            <a:spAutoFit/>
+          </a:bodyPr>
+          <a:lstStyle/>
+          <a:p>
+            <a:r>
+              <a:rPr lang="en-US" sz="1400" dirty="0">
+                <a:solidFill>
+                  <a:schemeClr val="tx1">
+                    <a:lumMod val="65000"/>
+                    <a:lumOff val="35000"/>
+                  </a:schemeClr>
+                </a:solidFill>
+                <a:latin typeface="Arial" panose="020B0604020202020204" pitchFamily="34" charset="0"/>
+                <a:cs typeface="Arial" panose="020B0604020202020204" pitchFamily="34" charset="0"/>
+              </a:rPr>
+              <a:t>11</a:t>
+            </a:r>
+          </a:p>
+        </p:txBody>
+      </p:sp>
+      <p:sp>
+        <p:nvSpPr>
+          <p:cNvPr id="27" name="TextBox 26">
+            <a:extLst>
+              <a:ext uri="{FF2B5EF4-FFF2-40B4-BE49-F238E27FC236}">
+                <a16:creationId xmlns:a16="http://schemas.microsoft.com/office/drawing/2014/main" id="{0B74D852-61C1-8C42-BA5F-58EB09157F76}"/>
+              </a:ext>
+            </a:extLst>
+          </p:cNvPr>
+          <p:cNvSpPr txBox="1"/>
+          <p:nvPr/>
+        </p:nvSpPr>
+        <p:spPr>
+          <a:xfrm>
+            <a:off x="8397098" y="1080794"/>
+            <a:ext cx="383438" cy="307777"/>
+          </a:xfrm>
+          <a:prstGeom prst="rect">
+            <a:avLst/>
+          </a:prstGeom>
+          <a:noFill/>
+        </p:spPr>
+        <p:txBody>
+          <a:bodyPr wrap="none" rtlCol="0">
+            <a:spAutoFit/>
+          </a:bodyPr>
+          <a:lstStyle/>
+          <a:p>
+            <a:r>
+              <a:rPr lang="en-US" sz="1400" dirty="0">
+                <a:latin typeface="Arial" panose="020B0604020202020204" pitchFamily="34" charset="0"/>
+                <a:cs typeface="Arial" panose="020B0604020202020204" pitchFamily="34" charset="0"/>
+              </a:rPr>
+              <a:t>13</a:t>
+            </a:r>
+          </a:p>
+        </p:txBody>
+      </p:sp>
+      <p:sp>
+        <p:nvSpPr>
+          <p:cNvPr id="28" name="TextBox 27">
+            <a:extLst>
+              <a:ext uri="{FF2B5EF4-FFF2-40B4-BE49-F238E27FC236}">
+                <a16:creationId xmlns:a16="http://schemas.microsoft.com/office/drawing/2014/main" id="{76323A36-1718-684A-A52B-BE25C6F4C1E8}"/>
+              </a:ext>
+            </a:extLst>
+          </p:cNvPr>
+          <p:cNvSpPr txBox="1"/>
+          <p:nvPr/>
+        </p:nvSpPr>
+        <p:spPr>
+          <a:xfrm>
+            <a:off x="6306357" y="875650"/>
+            <a:ext cx="534121" cy="276999"/>
+          </a:xfrm>
+          <a:prstGeom prst="rect">
+            <a:avLst/>
+          </a:prstGeom>
+          <a:noFill/>
+        </p:spPr>
+        <p:txBody>
+          <a:bodyPr wrap="none" rtlCol="0">
+            <a:spAutoFit/>
+          </a:bodyPr>
+          <a:lstStyle/>
+          <a:p>
+            <a:r>
+              <a:rPr lang="en-US" sz="1200" dirty="0">
+                <a:latin typeface="Arial" panose="020B0604020202020204" pitchFamily="34" charset="0"/>
+                <a:cs typeface="Arial" panose="020B0604020202020204" pitchFamily="34" charset="0"/>
+              </a:rPr>
+              <a:t>Days</a:t>
+            </a:r>
+          </a:p>
+        </p:txBody>
+      </p:sp>
+    </p:spTree>
+    <p:extLst>
+      <p:ext uri="{BB962C8B-B14F-4D97-AF65-F5344CB8AC3E}">
+        <p14:creationId xmlns:p14="http://schemas.microsoft.com/office/powerpoint/2010/main" val="705996233"/>
+      </p:ext>
+    </p:extLst>
+  </p:cSld>
+  <p:clrMapOvr>
+    <a:masterClrMapping/>
+  </p:clrMapOvr>
+</p:sld>
+</file>
+
 <file path=ppt/theme/theme1.xml><?xml version="1.0" encoding="utf-8"?>
 <a:theme xmlns:a="http://schemas.openxmlformats.org/drawingml/2006/main" name="Office Theme">
   <a:themeElements>
